--- a/Machine Learning Approaches for Misinformation Detection.pptx
+++ b/Machine Learning Approaches for Misinformation Detection.pptx
@@ -8557,7 +8557,7 @@
             <a:fld id="{0C46D484-87C0-4F38-8A73-144A81FDCD9E}" type="datetimeFigureOut">
               <a:rPr lang="en-US" smtClean="0"/>
               <a:pPr/>
-              <a:t>5/5/2024</a:t>
+              <a:t>5/18/2024</a:t>
             </a:fld>
             <a:endParaRPr lang="en-US"/>
           </a:p>
@@ -10301,8 +10301,8 @@
         </p:nvSpPr>
         <p:spPr>
           <a:xfrm>
-            <a:off x="395536" y="2436853"/>
-            <a:ext cx="5328592" cy="2063195"/>
+            <a:off x="395536" y="3435846"/>
+            <a:ext cx="5328592" cy="1064202"/>
           </a:xfrm>
           <a:prstGeom prst="rect">
             <a:avLst/>
@@ -10334,34 +10334,11 @@
             </a:r>
           </a:p>
           <a:p>
-            <a:r>
-              <a:rPr lang="en-US" dirty="0">
-                <a:solidFill>
-                  <a:srgbClr val="FFC000"/>
-                </a:solidFill>
-              </a:rPr>
-              <a:t>ASHISH KUMAR 01419011921</a:t>
-            </a:r>
-          </a:p>
-          <a:p>
-            <a:r>
-              <a:rPr lang="en-US" dirty="0">
-                <a:solidFill>
-                  <a:srgbClr val="FFC000"/>
-                </a:solidFill>
-              </a:rPr>
-              <a:t>B DHRUV 03519011921</a:t>
-            </a:r>
-          </a:p>
-          <a:p>
-            <a:r>
-              <a:rPr lang="en-US" dirty="0">
-                <a:solidFill>
-                  <a:srgbClr val="FFC000"/>
-                </a:solidFill>
-              </a:rPr>
-              <a:t>HARDIK SINGH 06819011921</a:t>
-            </a:r>
+            <a:endParaRPr lang="en-US" dirty="0">
+              <a:solidFill>
+                <a:srgbClr val="FFC000"/>
+              </a:solidFill>
+            </a:endParaRPr>
           </a:p>
         </p:txBody>
       </p:sp>
@@ -13912,7 +13889,7 @@
               <a:solidFill>
                 <a:schemeClr val="tx1"/>
               </a:solidFill>
-              <a:latin typeface="Rockwell" pitchFamily="18" charset="0"/>
+              <a:latin typeface="Rockwell" panose="02060603020205020403" pitchFamily="18" charset="0"/>
             </a:endParaRPr>
           </a:p>
         </p:txBody>
